--- a/Cours_seance_3_2020.pptx
+++ b/Cours_seance_3_2020.pptx
@@ -5,7 +5,7 @@
     <p:sldMasterId id="2147483672" r:id="rId1"/>
   </p:sldMasterIdLst>
   <p:notesMasterIdLst>
-    <p:notesMasterId r:id="rId21"/>
+    <p:notesMasterId r:id="rId22"/>
   </p:notesMasterIdLst>
   <p:sldIdLst>
     <p:sldId id="267" r:id="rId2"/>
@@ -26,7 +26,8 @@
     <p:sldId id="282" r:id="rId17"/>
     <p:sldId id="283" r:id="rId18"/>
     <p:sldId id="284" r:id="rId19"/>
-    <p:sldId id="285" r:id="rId20"/>
+    <p:sldId id="286" r:id="rId20"/>
+    <p:sldId id="285" r:id="rId21"/>
   </p:sldIdLst>
   <p:sldSz cx="12192000" cy="6858000"/>
   <p:notesSz cx="6858000" cy="9144000"/>
@@ -215,7 +216,7 @@
           <a:p>
             <a:fld id="{68407A44-ACB3-49FA-BFDD-E508664716F1}" type="datetimeFigureOut">
               <a:rPr lang="fr-FR" smtClean="0"/>
-              <a:t>26/08/2020</a:t>
+              <a:t>05/10/2020</a:t>
             </a:fld>
             <a:endParaRPr lang="fr-FR"/>
           </a:p>
@@ -3122,8 +3123,8 @@
           </a:p>
         </p:txBody>
       </p:sp>
-      <mc:AlternateContent xmlns:mc="http://schemas.openxmlformats.org/markup-compatibility/2006" xmlns:a14="http://schemas.microsoft.com/office/drawing/2010/main">
-        <mc:Choice Requires="a14">
+      <mc:AlternateContent xmlns:mc="http://schemas.openxmlformats.org/markup-compatibility/2006">
+        <mc:Choice xmlns:a14="http://schemas.microsoft.com/office/drawing/2010/main" Requires="a14">
           <p:sp>
             <p:nvSpPr>
               <p:cNvPr id="25" name="Content Placeholder 4">
@@ -3147,7 +3148,9 @@
               </a:xfrm>
             </p:spPr>
             <p:txBody>
-              <a:bodyPr/>
+              <a:bodyPr>
+                <a:normAutofit/>
+              </a:bodyPr>
               <a:lstStyle/>
               <a:p>
                 <a:r>
@@ -3531,8 +3534,75 @@
                       <a:srgbClr val="313E48"/>
                     </a:solidFill>
                   </a:rPr>
-                  <a:t>.</a:t>
+                  <a:t>. Vitesse d’</a:t>
                 </a:r>
+                <a:r>
+                  <a:rPr lang="fr-FR" dirty="0" err="1" smtClean="0">
+                    <a:solidFill>
+                      <a:srgbClr val="313E48"/>
+                    </a:solidFill>
+                  </a:rPr>
+                  <a:t>Usain</a:t>
+                </a:r>
+                <a:r>
+                  <a:rPr lang="fr-FR" dirty="0" smtClean="0">
+                    <a:solidFill>
+                      <a:srgbClr val="313E48"/>
+                    </a:solidFill>
+                  </a:rPr>
+                  <a:t> </a:t>
+                </a:r>
+                <a:r>
+                  <a:rPr lang="fr-FR" dirty="0" err="1">
+                    <a:solidFill>
+                      <a:srgbClr val="313E48"/>
+                    </a:solidFill>
+                  </a:rPr>
+                  <a:t>B</a:t>
+                </a:r>
+                <a:r>
+                  <a:rPr lang="fr-FR" dirty="0" err="1" smtClean="0">
+                    <a:solidFill>
+                      <a:srgbClr val="313E48"/>
+                    </a:solidFill>
+                  </a:rPr>
+                  <a:t>olt</a:t>
+                </a:r>
+                <a:r>
+                  <a:rPr lang="fr-FR" dirty="0" smtClean="0">
+                    <a:solidFill>
+                      <a:srgbClr val="313E48"/>
+                    </a:solidFill>
+                  </a:rPr>
+                  <a:t> sur le record à </a:t>
+                </a:r>
+                <a14:m>
+                  <m:oMath xmlns:m="http://schemas.openxmlformats.org/officeDocument/2006/math">
+                    <m:r>
+                      <a:rPr lang="fr-FR" i="1" dirty="0" smtClean="0">
+                        <a:solidFill>
+                          <a:srgbClr val="313E48"/>
+                        </a:solidFill>
+                        <a:latin typeface="Cambria Math" panose="02040503050406030204" pitchFamily="18" charset="0"/>
+                      </a:rPr>
+                      <m:t>9.58</m:t>
+                    </m:r>
+                    <m:r>
+                      <a:rPr lang="fr-FR" i="1" dirty="0" smtClean="0">
+                        <a:solidFill>
+                          <a:srgbClr val="313E48"/>
+                        </a:solidFill>
+                        <a:latin typeface="Cambria Math" panose="02040503050406030204" pitchFamily="18" charset="0"/>
+                      </a:rPr>
+                      <m:t>𝑠</m:t>
+                    </m:r>
+                  </m:oMath>
+                </a14:m>
+                <a:endParaRPr lang="fr-FR" i="1" u="sng" dirty="0">
+                  <a:solidFill>
+                    <a:srgbClr val="313E48"/>
+                  </a:solidFill>
+                </a:endParaRPr>
               </a:p>
               <a:p>
                 <a:r>
@@ -3541,7 +3611,15 @@
                       <a:srgbClr val="313E48"/>
                     </a:solidFill>
                   </a:rPr>
-                  <a:t>Réponse :</a:t>
+                  <a:t>Réponse </a:t>
+                </a:r>
+                <a:r>
+                  <a:rPr lang="fr-FR" i="1" u="sng" dirty="0" smtClean="0">
+                    <a:solidFill>
+                      <a:srgbClr val="313E48"/>
+                    </a:solidFill>
+                  </a:rPr>
+                  <a:t>:</a:t>
                 </a:r>
                 <a:r>
                   <a:rPr lang="fr-FR" dirty="0" smtClean="0">
@@ -3599,7 +3677,79 @@
                     </m:f>
                   </m:oMath>
                 </a14:m>
-                <a:endParaRPr lang="fr-FR" i="1" u="sng" dirty="0">
+                <a:r>
+                  <a:rPr lang="fr-FR" i="1" dirty="0" smtClean="0">
+                    <a:solidFill>
+                      <a:srgbClr val="313E48"/>
+                    </a:solidFill>
+                  </a:rPr>
+                  <a:t> </a:t>
+                </a:r>
+                <a:r>
+                  <a:rPr lang="fr-FR" dirty="0" smtClean="0">
+                    <a:solidFill>
+                      <a:srgbClr val="313E48"/>
+                    </a:solidFill>
+                  </a:rPr>
+                  <a:t>; </a:t>
+                </a:r>
+                <a:r>
+                  <a:rPr lang="fr-FR" dirty="0" err="1" smtClean="0">
+                    <a:solidFill>
+                      <a:srgbClr val="313E48"/>
+                    </a:solidFill>
+                  </a:rPr>
+                  <a:t>Bolt</a:t>
+                </a:r>
+                <a:r>
+                  <a:rPr lang="fr-FR" dirty="0" smtClean="0">
+                    <a:solidFill>
+                      <a:srgbClr val="313E48"/>
+                    </a:solidFill>
+                  </a:rPr>
+                  <a:t> : </a:t>
+                </a:r>
+                <a14:m>
+                  <m:oMath xmlns:m="http://schemas.openxmlformats.org/officeDocument/2006/math">
+                    <m:r>
+                      <a:rPr lang="fr-FR" i="1" dirty="0" smtClean="0">
+                        <a:solidFill>
+                          <a:srgbClr val="313E48"/>
+                        </a:solidFill>
+                        <a:latin typeface="Cambria Math" panose="02040503050406030204" pitchFamily="18" charset="0"/>
+                      </a:rPr>
+                      <m:t>10.44 </m:t>
+                    </m:r>
+                    <m:r>
+                      <a:rPr lang="fr-FR" i="1" dirty="0" smtClean="0">
+                        <a:solidFill>
+                          <a:srgbClr val="313E48"/>
+                        </a:solidFill>
+                        <a:latin typeface="Cambria Math" panose="02040503050406030204" pitchFamily="18" charset="0"/>
+                      </a:rPr>
+                      <m:t>𝑚</m:t>
+                    </m:r>
+                    <m:r>
+                      <a:rPr lang="fr-FR" i="1" dirty="0" smtClean="0">
+                        <a:solidFill>
+                          <a:srgbClr val="313E48"/>
+                        </a:solidFill>
+                        <a:latin typeface="Cambria Math" panose="02040503050406030204" pitchFamily="18" charset="0"/>
+                      </a:rPr>
+                      <m:t>/</m:t>
+                    </m:r>
+                    <m:r>
+                      <a:rPr lang="fr-FR" i="1" dirty="0" smtClean="0">
+                        <a:solidFill>
+                          <a:srgbClr val="313E48"/>
+                        </a:solidFill>
+                        <a:latin typeface="Cambria Math" panose="02040503050406030204" pitchFamily="18" charset="0"/>
+                      </a:rPr>
+                      <m:t>𝑠</m:t>
+                    </m:r>
+                  </m:oMath>
+                </a14:m>
+                <a:endParaRPr lang="fr-FR" dirty="0">
                   <a:solidFill>
                     <a:srgbClr val="313E48"/>
                   </a:solidFill>
@@ -3608,7 +3758,7 @@
             </p:txBody>
           </p:sp>
         </mc:Choice>
-        <mc:Fallback xmlns="">
+        <mc:Fallback>
           <p:sp>
             <p:nvSpPr>
               <p:cNvPr id="25" name="Content Placeholder 4">
@@ -5005,9 +5155,6 @@
                     <p:cTn id="3" fill="hold">
                       <p:stCondLst>
                         <p:cond delay="indefinite"/>
-                        <p:cond evt="onBegin" delay="0">
-                          <p:tn val="2"/>
-                        </p:cond>
                       </p:stCondLst>
                       <p:childTnLst>
                         <p:par>
@@ -5017,7 +5164,7 @@
                             </p:stCondLst>
                             <p:childTnLst>
                               <p:par>
-                                <p:cTn id="5" presetID="1" presetClass="entr" presetSubtype="0" fill="hold" nodeType="withEffect">
+                                <p:cTn id="5" presetID="1" presetClass="entr" presetSubtype="0" fill="hold" nodeType="clickEffect">
                                   <p:stCondLst>
                                     <p:cond delay="0"/>
                                   </p:stCondLst>
@@ -5030,7 +5177,11 @@
                                           </p:stCondLst>
                                         </p:cTn>
                                         <p:tgtEl>
-                                          <p:spTgt spid="5"/>
+                                          <p:spTgt spid="25">
+                                            <p:txEl>
+                                              <p:pRg st="5" end="5"/>
+                                            </p:txEl>
+                                          </p:spTgt>
                                         </p:tgtEl>
                                         <p:attrNameLst>
                                           <p:attrName>style.visibility</p:attrName>
@@ -5058,6 +5209,33 @@
                                         </p:cTn>
                                         <p:tgtEl>
                                           <p:spTgt spid="6"/>
+                                        </p:tgtEl>
+                                        <p:attrNameLst>
+                                          <p:attrName>style.visibility</p:attrName>
+                                        </p:attrNameLst>
+                                      </p:cBhvr>
+                                      <p:to>
+                                        <p:strVal val="visible"/>
+                                      </p:to>
+                                    </p:set>
+                                  </p:childTnLst>
+                                </p:cTn>
+                              </p:par>
+                              <p:par>
+                                <p:cTn id="9" presetID="1" presetClass="entr" presetSubtype="0" fill="hold" nodeType="withEffect">
+                                  <p:stCondLst>
+                                    <p:cond delay="0"/>
+                                  </p:stCondLst>
+                                  <p:childTnLst>
+                                    <p:set>
+                                      <p:cBhvr>
+                                        <p:cTn id="10" dur="1" fill="hold">
+                                          <p:stCondLst>
+                                            <p:cond delay="0"/>
+                                          </p:stCondLst>
+                                        </p:cTn>
+                                        <p:tgtEl>
+                                          <p:spTgt spid="5"/>
                                         </p:tgtEl>
                                         <p:attrNameLst>
                                           <p:attrName>style.visibility</p:attrName>
@@ -14040,7 +14218,7 @@
           <a:graphicData uri="http://schemas.openxmlformats.org/presentationml/2006/ole">
             <mc:AlternateContent xmlns:mc="http://schemas.openxmlformats.org/markup-compatibility/2006">
               <mc:Choice xmlns:v="urn:schemas-microsoft-com:vml" Requires="v">
-                <p:oleObj spid="_x0000_s1032" name="SPW 7.0 Graph" r:id="rId3" imgW="4794199" imgH="4874666" progId="">
+                <p:oleObj spid="_x0000_s1037" name="SPW 7.0 Graph" r:id="rId3" imgW="4794199" imgH="4874666" progId="">
                   <p:embed/>
                 </p:oleObj>
               </mc:Choice>
@@ -20032,18 +20210,12 @@
       </p:grpSpPr>
       <p:sp>
         <p:nvSpPr>
-          <p:cNvPr id="2" name="Title 1">
-            <a:extLst>
-              <a:ext uri="{FF2B5EF4-FFF2-40B4-BE49-F238E27FC236}">
-                <a16:creationId xmlns:a16="http://schemas.microsoft.com/office/drawing/2014/main" id="{09270E71-5B83-3846-A3BA-B00FF702AFA4}"/>
-              </a:ext>
-            </a:extLst>
-          </p:cNvPr>
+          <p:cNvPr id="2" name="Titre 1"/>
           <p:cNvSpPr>
             <a:spLocks noGrp="1"/>
           </p:cNvSpPr>
           <p:nvPr>
-            <p:ph type="ctrTitle"/>
+            <p:ph type="title"/>
           </p:nvPr>
         </p:nvSpPr>
         <p:spPr/>
@@ -20053,16 +20225,323 @@
           <a:p>
             <a:r>
               <a:rPr lang="fr-FR" dirty="0" smtClean="0"/>
-              <a:t>Questions ?</a:t>
+              <a:t>Applications</a:t>
             </a:r>
             <a:endParaRPr lang="fr-FR" dirty="0"/>
           </a:p>
         </p:txBody>
       </p:sp>
+      <mc:AlternateContent xmlns:mc="http://schemas.openxmlformats.org/markup-compatibility/2006">
+        <mc:Choice xmlns:a14="http://schemas.microsoft.com/office/drawing/2010/main" Requires="a14">
+          <p:sp>
+            <p:nvSpPr>
+              <p:cNvPr id="3" name="Espace réservé du contenu 2"/>
+              <p:cNvSpPr>
+                <a:spLocks noGrp="1"/>
+              </p:cNvSpPr>
+              <p:nvPr>
+                <p:ph idx="1"/>
+              </p:nvPr>
+            </p:nvSpPr>
+            <p:spPr/>
+            <p:txBody>
+              <a:bodyPr>
+                <a:normAutofit/>
+              </a:bodyPr>
+              <a:lstStyle/>
+              <a:p>
+                <a:r>
+                  <a:rPr lang="fr-FR" dirty="0" smtClean="0"/>
+                  <a:t>Combien de temps un cycliste en MRU à </a:t>
+                </a:r>
+                <a14:m>
+                  <m:oMath xmlns:m="http://schemas.openxmlformats.org/officeDocument/2006/math">
+                    <m:r>
+                      <a:rPr lang="fr-FR" i="1" dirty="0" smtClean="0">
+                        <a:latin typeface="Cambria Math" panose="02040503050406030204" pitchFamily="18" charset="0"/>
+                      </a:rPr>
+                      <m:t>25 </m:t>
+                    </m:r>
+                    <m:r>
+                      <a:rPr lang="fr-FR" i="1" dirty="0" smtClean="0">
+                        <a:latin typeface="Cambria Math" panose="02040503050406030204" pitchFamily="18" charset="0"/>
+                      </a:rPr>
+                      <m:t>𝑘𝑚</m:t>
+                    </m:r>
+                    <m:r>
+                      <a:rPr lang="fr-FR" i="1" dirty="0" smtClean="0">
+                        <a:latin typeface="Cambria Math" panose="02040503050406030204" pitchFamily="18" charset="0"/>
+                      </a:rPr>
+                      <m:t>/</m:t>
+                    </m:r>
+                    <m:r>
+                      <a:rPr lang="fr-FR" i="1" dirty="0" smtClean="0">
+                        <a:latin typeface="Cambria Math" panose="02040503050406030204" pitchFamily="18" charset="0"/>
+                      </a:rPr>
+                      <m:t>h</m:t>
+                    </m:r>
+                    <m:r>
+                      <a:rPr lang="fr-FR" i="1" dirty="0" smtClean="0">
+                        <a:latin typeface="Cambria Math" panose="02040503050406030204" pitchFamily="18" charset="0"/>
+                      </a:rPr>
+                      <m:t> </m:t>
+                    </m:r>
+                  </m:oMath>
+                </a14:m>
+                <a:r>
+                  <a:rPr lang="fr-FR" dirty="0" smtClean="0"/>
+                  <a:t>met-il à faire </a:t>
+                </a:r>
+                <a14:m>
+                  <m:oMath xmlns:m="http://schemas.openxmlformats.org/officeDocument/2006/math">
+                    <m:r>
+                      <a:rPr lang="fr-FR" i="1" dirty="0" smtClean="0">
+                        <a:latin typeface="Cambria Math" panose="02040503050406030204" pitchFamily="18" charset="0"/>
+                      </a:rPr>
+                      <m:t>500 </m:t>
+                    </m:r>
+                    <m:r>
+                      <a:rPr lang="fr-FR" i="1" dirty="0" smtClean="0">
+                        <a:latin typeface="Cambria Math" panose="02040503050406030204" pitchFamily="18" charset="0"/>
+                      </a:rPr>
+                      <m:t>𝑚</m:t>
+                    </m:r>
+                  </m:oMath>
+                </a14:m>
+                <a:r>
+                  <a:rPr lang="fr-FR" dirty="0" smtClean="0"/>
+                  <a:t> ? </a:t>
+                </a:r>
+              </a:p>
+              <a:p>
+                <a:r>
+                  <a:rPr lang="fr-FR" dirty="0" smtClean="0"/>
+                  <a:t>Réponse : </a:t>
+                </a:r>
+                <a14:m>
+                  <m:oMath xmlns:m="http://schemas.openxmlformats.org/officeDocument/2006/math">
+                    <m:r>
+                      <a:rPr lang="fr-FR" i="1" dirty="0" smtClean="0">
+                        <a:latin typeface="Cambria Math" panose="02040503050406030204" pitchFamily="18" charset="0"/>
+                      </a:rPr>
+                      <m:t>1</m:t>
+                    </m:r>
+                    <m:func>
+                      <m:funcPr>
+                        <m:ctrlPr>
+                          <a:rPr lang="fr-FR" i="1" dirty="0" smtClean="0">
+                            <a:latin typeface="Cambria Math" panose="02040503050406030204" pitchFamily="18" charset="0"/>
+                          </a:rPr>
+                        </m:ctrlPr>
+                      </m:funcPr>
+                      <m:fName>
+                        <m:r>
+                          <m:rPr>
+                            <m:sty m:val="p"/>
+                          </m:rPr>
+                          <a:rPr lang="fr-FR" i="0" dirty="0" smtClean="0">
+                            <a:latin typeface="Cambria Math" panose="02040503050406030204" pitchFamily="18" charset="0"/>
+                          </a:rPr>
+                          <m:t>min</m:t>
+                        </m:r>
+                      </m:fName>
+                      <m:e>
+                        <m:r>
+                          <a:rPr lang="fr-FR" i="1" dirty="0" smtClean="0">
+                            <a:latin typeface="Cambria Math" panose="02040503050406030204" pitchFamily="18" charset="0"/>
+                          </a:rPr>
+                          <m:t>12</m:t>
+                        </m:r>
+                      </m:e>
+                    </m:func>
+                    <m:r>
+                      <a:rPr lang="fr-FR" i="1" dirty="0" smtClean="0">
+                        <a:latin typeface="Cambria Math" panose="02040503050406030204" pitchFamily="18" charset="0"/>
+                      </a:rPr>
+                      <m:t>𝑠</m:t>
+                    </m:r>
+                  </m:oMath>
+                </a14:m>
+                <a:endParaRPr lang="fr-FR" dirty="0" smtClean="0"/>
+              </a:p>
+              <a:p>
+                <a:r>
+                  <a:rPr lang="fr-FR" dirty="0" smtClean="0"/>
+                  <a:t>Combien de temps faut-il à un de ses concurrents, ayant </a:t>
+                </a:r>
+                <a14:m>
+                  <m:oMath xmlns:m="http://schemas.openxmlformats.org/officeDocument/2006/math">
+                    <m:r>
+                      <a:rPr lang="fr-FR" i="1" dirty="0" smtClean="0">
+                        <a:latin typeface="Cambria Math" panose="02040503050406030204" pitchFamily="18" charset="0"/>
+                      </a:rPr>
+                      <m:t>500</m:t>
+                    </m:r>
+                    <m:r>
+                      <a:rPr lang="fr-FR" i="1" dirty="0" smtClean="0">
+                        <a:latin typeface="Cambria Math" panose="02040503050406030204" pitchFamily="18" charset="0"/>
+                      </a:rPr>
+                      <m:t>𝑚</m:t>
+                    </m:r>
+                  </m:oMath>
+                </a14:m>
+                <a:r>
+                  <a:rPr lang="fr-FR" dirty="0" smtClean="0"/>
+                  <a:t> de retard et roulant à </a:t>
+                </a:r>
+                <a14:m>
+                  <m:oMath xmlns:m="http://schemas.openxmlformats.org/officeDocument/2006/math">
+                    <m:r>
+                      <a:rPr lang="fr-FR" i="1" dirty="0" smtClean="0">
+                        <a:latin typeface="Cambria Math" panose="02040503050406030204" pitchFamily="18" charset="0"/>
+                      </a:rPr>
+                      <m:t>30</m:t>
+                    </m:r>
+                    <m:r>
+                      <a:rPr lang="fr-FR" i="1" dirty="0" smtClean="0">
+                        <a:latin typeface="Cambria Math" panose="02040503050406030204" pitchFamily="18" charset="0"/>
+                      </a:rPr>
+                      <m:t>𝑘𝑚</m:t>
+                    </m:r>
+                    <m:r>
+                      <a:rPr lang="fr-FR" i="1" dirty="0" smtClean="0">
+                        <a:latin typeface="Cambria Math" panose="02040503050406030204" pitchFamily="18" charset="0"/>
+                      </a:rPr>
+                      <m:t>/</m:t>
+                    </m:r>
+                    <m:r>
+                      <a:rPr lang="fr-FR" i="1" dirty="0" smtClean="0">
+                        <a:latin typeface="Cambria Math" panose="02040503050406030204" pitchFamily="18" charset="0"/>
+                      </a:rPr>
+                      <m:t>h</m:t>
+                    </m:r>
+                  </m:oMath>
+                </a14:m>
+                <a:r>
+                  <a:rPr lang="fr-FR" dirty="0" smtClean="0"/>
+                  <a:t> pour le rattraper?</a:t>
+                </a:r>
+              </a:p>
+              <a:p>
+                <a:r>
+                  <a:rPr lang="fr-FR" dirty="0" smtClean="0"/>
+                  <a:t>Réponse : </a:t>
+                </a:r>
+                <a14:m>
+                  <m:oMath xmlns:m="http://schemas.openxmlformats.org/officeDocument/2006/math">
+                    <m:r>
+                      <a:rPr lang="fr-FR" i="1" dirty="0" smtClean="0">
+                        <a:latin typeface="Cambria Math" panose="02040503050406030204" pitchFamily="18" charset="0"/>
+                      </a:rPr>
+                      <m:t>6</m:t>
+                    </m:r>
+                    <m:r>
+                      <m:rPr>
+                        <m:sty m:val="p"/>
+                      </m:rPr>
+                      <a:rPr lang="fr-FR" i="1" dirty="0" smtClean="0">
+                        <a:latin typeface="Cambria Math" panose="02040503050406030204" pitchFamily="18" charset="0"/>
+                      </a:rPr>
+                      <m:t>min</m:t>
+                    </m:r>
+                  </m:oMath>
+                </a14:m>
+                <a:endParaRPr lang="fr-FR" dirty="0" smtClean="0"/>
+              </a:p>
+              <a:p>
+                <a:r>
+                  <a:rPr lang="fr-FR" dirty="0" smtClean="0"/>
+                  <a:t>Le concurrent arrivera-t-il à rattraper le premier sachant que celui-ci est à </a:t>
+                </a:r>
+                <a14:m>
+                  <m:oMath xmlns:m="http://schemas.openxmlformats.org/officeDocument/2006/math">
+                    <m:r>
+                      <a:rPr lang="fr-FR" i="1" dirty="0" smtClean="0">
+                        <a:latin typeface="Cambria Math" panose="02040503050406030204" pitchFamily="18" charset="0"/>
+                      </a:rPr>
+                      <m:t>3</m:t>
+                    </m:r>
+                    <m:r>
+                      <a:rPr lang="fr-FR" i="1" dirty="0" smtClean="0">
+                        <a:latin typeface="Cambria Math" panose="02040503050406030204" pitchFamily="18" charset="0"/>
+                      </a:rPr>
+                      <m:t>𝑘𝑚</m:t>
+                    </m:r>
+                  </m:oMath>
+                </a14:m>
+                <a:r>
+                  <a:rPr lang="fr-FR" dirty="0" smtClean="0"/>
+                  <a:t> de l’arrivée? Où se croisent-ils?</a:t>
+                </a:r>
+              </a:p>
+              <a:p>
+                <a:r>
+                  <a:rPr lang="fr-FR" dirty="0" smtClean="0"/>
+                  <a:t>Réponse : Oui, à </a:t>
+                </a:r>
+                <a14:m>
+                  <m:oMath xmlns:m="http://schemas.openxmlformats.org/officeDocument/2006/math">
+                    <m:r>
+                      <a:rPr lang="fr-FR" i="1" dirty="0" smtClean="0">
+                        <a:latin typeface="Cambria Math" panose="02040503050406030204" pitchFamily="18" charset="0"/>
+                      </a:rPr>
+                      <m:t>500</m:t>
+                    </m:r>
+                    <m:r>
+                      <a:rPr lang="fr-FR" i="1" dirty="0" smtClean="0">
+                        <a:latin typeface="Cambria Math" panose="02040503050406030204" pitchFamily="18" charset="0"/>
+                      </a:rPr>
+                      <m:t>𝑚</m:t>
+                    </m:r>
+                  </m:oMath>
+                </a14:m>
+                <a:r>
+                  <a:rPr lang="fr-FR" dirty="0" smtClean="0"/>
+                  <a:t> de l’arrivée.</a:t>
+                </a:r>
+                <a:endParaRPr lang="fr-FR" dirty="0"/>
+              </a:p>
+            </p:txBody>
+          </p:sp>
+        </mc:Choice>
+        <mc:Fallback>
+          <p:sp>
+            <p:nvSpPr>
+              <p:cNvPr id="3" name="Espace réservé du contenu 2"/>
+              <p:cNvSpPr>
+                <a:spLocks noGrp="1" noRot="1" noChangeAspect="1" noMove="1" noResize="1" noEditPoints="1" noAdjustHandles="1" noChangeArrowheads="1" noChangeShapeType="1" noTextEdit="1"/>
+              </p:cNvSpPr>
+              <p:nvPr>
+                <p:ph idx="1"/>
+              </p:nvPr>
+            </p:nvSpPr>
+            <p:spPr>
+              <a:blipFill>
+                <a:blip r:embed="rId2"/>
+                <a:stretch>
+                  <a:fillRect l="-1078" t="-2371"/>
+                </a:stretch>
+              </a:blipFill>
+            </p:spPr>
+            <p:txBody>
+              <a:bodyPr/>
+              <a:lstStyle/>
+              <a:p>
+                <a:r>
+                  <a:rPr lang="fr-FR">
+                    <a:noFill/>
+                  </a:rPr>
+                  <a:t> </a:t>
+                </a:r>
+              </a:p>
+            </p:txBody>
+          </p:sp>
+        </mc:Fallback>
+      </mc:AlternateContent>
     </p:spTree>
     <p:extLst>
       <p:ext uri="{BB962C8B-B14F-4D97-AF65-F5344CB8AC3E}">
-        <p14:creationId xmlns:p14="http://schemas.microsoft.com/office/powerpoint/2010/main" val="85479417"/>
+        <p14:creationId xmlns:p14="http://schemas.microsoft.com/office/powerpoint/2010/main" val="3170141914"/>
       </p:ext>
     </p:extLst>
   </p:cSld>
@@ -20072,7 +20551,275 @@
   <p:timing>
     <p:tnLst>
       <p:par>
-        <p:cTn id="1" dur="indefinite" restart="never" nodeType="tmRoot"/>
+        <p:cTn id="1" dur="indefinite" restart="never" nodeType="tmRoot">
+          <p:childTnLst>
+            <p:seq concurrent="1" nextAc="seek">
+              <p:cTn id="2" dur="indefinite" nodeType="mainSeq">
+                <p:childTnLst>
+                  <p:par>
+                    <p:cTn id="3" fill="hold">
+                      <p:stCondLst>
+                        <p:cond delay="indefinite"/>
+                      </p:stCondLst>
+                      <p:childTnLst>
+                        <p:par>
+                          <p:cTn id="4" fill="hold">
+                            <p:stCondLst>
+                              <p:cond delay="0"/>
+                            </p:stCondLst>
+                            <p:childTnLst>
+                              <p:par>
+                                <p:cTn id="5" presetID="1" presetClass="entr" presetSubtype="0" fill="hold" nodeType="clickEffect">
+                                  <p:stCondLst>
+                                    <p:cond delay="0"/>
+                                  </p:stCondLst>
+                                  <p:childTnLst>
+                                    <p:set>
+                                      <p:cBhvr>
+                                        <p:cTn id="6" dur="1" fill="hold">
+                                          <p:stCondLst>
+                                            <p:cond delay="0"/>
+                                          </p:stCondLst>
+                                        </p:cTn>
+                                        <p:tgtEl>
+                                          <p:spTgt spid="3">
+                                            <p:txEl>
+                                              <p:pRg st="1" end="1"/>
+                                            </p:txEl>
+                                          </p:spTgt>
+                                        </p:tgtEl>
+                                        <p:attrNameLst>
+                                          <p:attrName>style.visibility</p:attrName>
+                                        </p:attrNameLst>
+                                      </p:cBhvr>
+                                      <p:to>
+                                        <p:strVal val="visible"/>
+                                      </p:to>
+                                    </p:set>
+                                  </p:childTnLst>
+                                </p:cTn>
+                              </p:par>
+                            </p:childTnLst>
+                          </p:cTn>
+                        </p:par>
+                      </p:childTnLst>
+                    </p:cTn>
+                  </p:par>
+                  <p:par>
+                    <p:cTn id="7" fill="hold">
+                      <p:stCondLst>
+                        <p:cond delay="indefinite"/>
+                      </p:stCondLst>
+                      <p:childTnLst>
+                        <p:par>
+                          <p:cTn id="8" fill="hold">
+                            <p:stCondLst>
+                              <p:cond delay="0"/>
+                            </p:stCondLst>
+                            <p:childTnLst>
+                              <p:par>
+                                <p:cTn id="9" presetID="1" presetClass="entr" presetSubtype="0" fill="hold" nodeType="clickEffect">
+                                  <p:stCondLst>
+                                    <p:cond delay="0"/>
+                                  </p:stCondLst>
+                                  <p:childTnLst>
+                                    <p:set>
+                                      <p:cBhvr>
+                                        <p:cTn id="10" dur="1" fill="hold">
+                                          <p:stCondLst>
+                                            <p:cond delay="0"/>
+                                          </p:stCondLst>
+                                        </p:cTn>
+                                        <p:tgtEl>
+                                          <p:spTgt spid="3">
+                                            <p:txEl>
+                                              <p:pRg st="2" end="2"/>
+                                            </p:txEl>
+                                          </p:spTgt>
+                                        </p:tgtEl>
+                                        <p:attrNameLst>
+                                          <p:attrName>style.visibility</p:attrName>
+                                        </p:attrNameLst>
+                                      </p:cBhvr>
+                                      <p:to>
+                                        <p:strVal val="visible"/>
+                                      </p:to>
+                                    </p:set>
+                                  </p:childTnLst>
+                                </p:cTn>
+                              </p:par>
+                            </p:childTnLst>
+                          </p:cTn>
+                        </p:par>
+                      </p:childTnLst>
+                    </p:cTn>
+                  </p:par>
+                  <p:par>
+                    <p:cTn id="11" fill="hold">
+                      <p:stCondLst>
+                        <p:cond delay="indefinite"/>
+                      </p:stCondLst>
+                      <p:childTnLst>
+                        <p:par>
+                          <p:cTn id="12" fill="hold">
+                            <p:stCondLst>
+                              <p:cond delay="0"/>
+                            </p:stCondLst>
+                            <p:childTnLst>
+                              <p:par>
+                                <p:cTn id="13" presetID="1" presetClass="entr" presetSubtype="0" fill="hold" nodeType="clickEffect">
+                                  <p:stCondLst>
+                                    <p:cond delay="0"/>
+                                  </p:stCondLst>
+                                  <p:childTnLst>
+                                    <p:set>
+                                      <p:cBhvr>
+                                        <p:cTn id="14" dur="1" fill="hold">
+                                          <p:stCondLst>
+                                            <p:cond delay="0"/>
+                                          </p:stCondLst>
+                                        </p:cTn>
+                                        <p:tgtEl>
+                                          <p:spTgt spid="3">
+                                            <p:txEl>
+                                              <p:pRg st="3" end="3"/>
+                                            </p:txEl>
+                                          </p:spTgt>
+                                        </p:tgtEl>
+                                        <p:attrNameLst>
+                                          <p:attrName>style.visibility</p:attrName>
+                                        </p:attrNameLst>
+                                      </p:cBhvr>
+                                      <p:to>
+                                        <p:strVal val="visible"/>
+                                      </p:to>
+                                    </p:set>
+                                  </p:childTnLst>
+                                </p:cTn>
+                              </p:par>
+                            </p:childTnLst>
+                          </p:cTn>
+                        </p:par>
+                      </p:childTnLst>
+                    </p:cTn>
+                  </p:par>
+                  <p:par>
+                    <p:cTn id="15" fill="hold">
+                      <p:stCondLst>
+                        <p:cond delay="indefinite"/>
+                      </p:stCondLst>
+                      <p:childTnLst>
+                        <p:par>
+                          <p:cTn id="16" fill="hold">
+                            <p:stCondLst>
+                              <p:cond delay="0"/>
+                            </p:stCondLst>
+                            <p:childTnLst>
+                              <p:par>
+                                <p:cTn id="17" presetID="1" presetClass="entr" presetSubtype="0" fill="hold" nodeType="clickEffect">
+                                  <p:stCondLst>
+                                    <p:cond delay="0"/>
+                                  </p:stCondLst>
+                                  <p:childTnLst>
+                                    <p:set>
+                                      <p:cBhvr>
+                                        <p:cTn id="18" dur="1" fill="hold">
+                                          <p:stCondLst>
+                                            <p:cond delay="0"/>
+                                          </p:stCondLst>
+                                        </p:cTn>
+                                        <p:tgtEl>
+                                          <p:spTgt spid="3">
+                                            <p:txEl>
+                                              <p:pRg st="4" end="4"/>
+                                            </p:txEl>
+                                          </p:spTgt>
+                                        </p:tgtEl>
+                                        <p:attrNameLst>
+                                          <p:attrName>style.visibility</p:attrName>
+                                        </p:attrNameLst>
+                                      </p:cBhvr>
+                                      <p:to>
+                                        <p:strVal val="visible"/>
+                                      </p:to>
+                                    </p:set>
+                                  </p:childTnLst>
+                                </p:cTn>
+                              </p:par>
+                            </p:childTnLst>
+                          </p:cTn>
+                        </p:par>
+                      </p:childTnLst>
+                    </p:cTn>
+                  </p:par>
+                  <p:par>
+                    <p:cTn id="19" fill="hold">
+                      <p:stCondLst>
+                        <p:cond delay="indefinite"/>
+                      </p:stCondLst>
+                      <p:childTnLst>
+                        <p:par>
+                          <p:cTn id="20" fill="hold">
+                            <p:stCondLst>
+                              <p:cond delay="0"/>
+                            </p:stCondLst>
+                            <p:childTnLst>
+                              <p:par>
+                                <p:cTn id="21" presetID="1" presetClass="entr" presetSubtype="0" fill="hold" nodeType="clickEffect">
+                                  <p:stCondLst>
+                                    <p:cond delay="0"/>
+                                  </p:stCondLst>
+                                  <p:childTnLst>
+                                    <p:set>
+                                      <p:cBhvr>
+                                        <p:cTn id="22" dur="1" fill="hold">
+                                          <p:stCondLst>
+                                            <p:cond delay="0"/>
+                                          </p:stCondLst>
+                                        </p:cTn>
+                                        <p:tgtEl>
+                                          <p:spTgt spid="3">
+                                            <p:txEl>
+                                              <p:pRg st="5" end="5"/>
+                                            </p:txEl>
+                                          </p:spTgt>
+                                        </p:tgtEl>
+                                        <p:attrNameLst>
+                                          <p:attrName>style.visibility</p:attrName>
+                                        </p:attrNameLst>
+                                      </p:cBhvr>
+                                      <p:to>
+                                        <p:strVal val="visible"/>
+                                      </p:to>
+                                    </p:set>
+                                  </p:childTnLst>
+                                </p:cTn>
+                              </p:par>
+                            </p:childTnLst>
+                          </p:cTn>
+                        </p:par>
+                      </p:childTnLst>
+                    </p:cTn>
+                  </p:par>
+                </p:childTnLst>
+              </p:cTn>
+              <p:prevCondLst>
+                <p:cond evt="onPrev" delay="0">
+                  <p:tgtEl>
+                    <p:sldTgt/>
+                  </p:tgtEl>
+                </p:cond>
+              </p:prevCondLst>
+              <p:nextCondLst>
+                <p:cond evt="onNext" delay="0">
+                  <p:tgtEl>
+                    <p:sldTgt/>
+                  </p:tgtEl>
+                </p:cond>
+              </p:nextCondLst>
+            </p:seq>
+          </p:childTnLst>
+        </p:cTn>
       </p:par>
     </p:tnLst>
   </p:timing>
@@ -20536,6 +21283,79 @@
   <p:clrMapOvr>
     <a:masterClrMapping/>
   </p:clrMapOvr>
+  <p:timing>
+    <p:tnLst>
+      <p:par>
+        <p:cTn id="1" dur="indefinite" restart="never" nodeType="tmRoot"/>
+      </p:par>
+    </p:tnLst>
+  </p:timing>
+</p:sld>
+</file>
+
+<file path=ppt/slides/slide20.xml><?xml version="1.0" encoding="utf-8"?>
+<p:sld xmlns:a="http://schemas.openxmlformats.org/drawingml/2006/main" xmlns:r="http://schemas.openxmlformats.org/officeDocument/2006/relationships" xmlns:p="http://schemas.openxmlformats.org/presentationml/2006/main">
+  <p:cSld>
+    <p:spTree>
+      <p:nvGrpSpPr>
+        <p:cNvPr id="1" name=""/>
+        <p:cNvGrpSpPr/>
+        <p:nvPr/>
+      </p:nvGrpSpPr>
+      <p:grpSpPr>
+        <a:xfrm>
+          <a:off x="0" y="0"/>
+          <a:ext cx="0" cy="0"/>
+          <a:chOff x="0" y="0"/>
+          <a:chExt cx="0" cy="0"/>
+        </a:xfrm>
+      </p:grpSpPr>
+      <p:sp>
+        <p:nvSpPr>
+          <p:cNvPr id="2" name="Title 1">
+            <a:extLst>
+              <a:ext uri="{FF2B5EF4-FFF2-40B4-BE49-F238E27FC236}">
+                <a16:creationId xmlns:a16="http://schemas.microsoft.com/office/drawing/2014/main" id="{09270E71-5B83-3846-A3BA-B00FF702AFA4}"/>
+              </a:ext>
+            </a:extLst>
+          </p:cNvPr>
+          <p:cNvSpPr>
+            <a:spLocks noGrp="1"/>
+          </p:cNvSpPr>
+          <p:nvPr>
+            <p:ph type="ctrTitle"/>
+          </p:nvPr>
+        </p:nvSpPr>
+        <p:spPr/>
+        <p:txBody>
+          <a:bodyPr/>
+          <a:lstStyle/>
+          <a:p>
+            <a:r>
+              <a:rPr lang="fr-FR" dirty="0" smtClean="0"/>
+              <a:t>Questions ?</a:t>
+            </a:r>
+            <a:endParaRPr lang="fr-FR" dirty="0"/>
+          </a:p>
+        </p:txBody>
+      </p:sp>
+    </p:spTree>
+    <p:extLst>
+      <p:ext uri="{BB962C8B-B14F-4D97-AF65-F5344CB8AC3E}">
+        <p14:creationId xmlns:p14="http://schemas.microsoft.com/office/powerpoint/2010/main" val="85479417"/>
+      </p:ext>
+    </p:extLst>
+  </p:cSld>
+  <p:clrMapOvr>
+    <a:masterClrMapping/>
+  </p:clrMapOvr>
+  <p:timing>
+    <p:tnLst>
+      <p:par>
+        <p:cTn id="1" dur="indefinite" restart="never" nodeType="tmRoot"/>
+      </p:par>
+    </p:tnLst>
+  </p:timing>
 </p:sld>
 </file>
 
@@ -25086,8 +25906,8 @@
           </a:p>
         </p:txBody>
       </p:sp>
-      <mc:AlternateContent xmlns:mc="http://schemas.openxmlformats.org/markup-compatibility/2006" xmlns:a14="http://schemas.microsoft.com/office/drawing/2010/main">
-        <mc:Choice Requires="a14">
+      <mc:AlternateContent xmlns:mc="http://schemas.openxmlformats.org/markup-compatibility/2006">
+        <mc:Choice xmlns:a14="http://schemas.microsoft.com/office/drawing/2010/main" Requires="a14">
           <p:sp>
             <p:nvSpPr>
               <p:cNvPr id="45" name="Rectangle 3"/>
@@ -25402,6 +26222,26 @@
                   <a:rPr lang="fr-FR" altLang="en-US" dirty="0" smtClean="0"/>
                   <a:t> </a:t>
                 </a:r>
+                <a:r>
+                  <a:rPr lang="fr-FR" altLang="en-US" dirty="0" smtClean="0"/>
+                  <a:t>et </a:t>
+                </a:r>
+                <a14:m>
+                  <m:oMath xmlns:m="http://schemas.openxmlformats.org/officeDocument/2006/math">
+                    <m:r>
+                      <a:rPr lang="fr-FR" altLang="en-US" b="0" i="1" smtClean="0">
+                        <a:latin typeface="Cambria Math" panose="02040503050406030204" pitchFamily="18" charset="0"/>
+                      </a:rPr>
+                      <m:t>𝑥</m:t>
+                    </m:r>
+                    <m:r>
+                      <a:rPr lang="fr-FR" altLang="en-US" b="0" i="1" smtClean="0">
+                        <a:latin typeface="Cambria Math" panose="02040503050406030204" pitchFamily="18" charset="0"/>
+                      </a:rPr>
+                      <m:t>(2)≈1</m:t>
+                    </m:r>
+                  </m:oMath>
+                </a14:m>
                 <a:endParaRPr lang="fr-FR" altLang="en-US" dirty="0"/>
               </a:p>
               <a:p>
@@ -25416,7 +26256,7 @@
             </p:txBody>
           </p:sp>
         </mc:Choice>
-        <mc:Fallback xmlns="">
+        <mc:Fallback>
           <p:sp>
             <p:nvSpPr>
               <p:cNvPr id="45" name="Rectangle 3"/>
@@ -26217,79 +27057,7 @@
   <p:timing>
     <p:tnLst>
       <p:par>
-        <p:cTn id="1" dur="indefinite" restart="never" nodeType="tmRoot">
-          <p:childTnLst>
-            <p:seq concurrent="1" nextAc="seek">
-              <p:cTn id="2" dur="indefinite" nodeType="mainSeq">
-                <p:childTnLst>
-                  <p:par>
-                    <p:cTn id="3" fill="hold">
-                      <p:stCondLst>
-                        <p:cond delay="indefinite"/>
-                      </p:stCondLst>
-                      <p:childTnLst>
-                        <p:par>
-                          <p:cTn id="4" fill="hold">
-                            <p:stCondLst>
-                              <p:cond delay="0"/>
-                            </p:stCondLst>
-                            <p:childTnLst>
-                              <p:par>
-                                <p:cTn id="5" presetID="1" presetClass="entr" presetSubtype="0" fill="hold" nodeType="clickEffect">
-                                  <p:stCondLst>
-                                    <p:cond delay="0"/>
-                                  </p:stCondLst>
-                                  <p:childTnLst>
-                                    <p:set>
-                                      <p:cBhvr>
-                                        <p:cTn id="6" dur="1" fill="hold">
-                                          <p:stCondLst>
-                                            <p:cond delay="0"/>
-                                          </p:stCondLst>
-                                        </p:cTn>
-                                        <p:tgtEl>
-                                          <p:spTgt spid="45">
-                                            <p:txEl>
-                                              <p:pRg st="7" end="7"/>
-                                            </p:txEl>
-                                          </p:spTgt>
-                                        </p:tgtEl>
-                                        <p:attrNameLst>
-                                          <p:attrName>style.visibility</p:attrName>
-                                        </p:attrNameLst>
-                                      </p:cBhvr>
-                                      <p:to>
-                                        <p:strVal val="visible"/>
-                                      </p:to>
-                                    </p:set>
-                                  </p:childTnLst>
-                                </p:cTn>
-                              </p:par>
-                            </p:childTnLst>
-                          </p:cTn>
-                        </p:par>
-                      </p:childTnLst>
-                    </p:cTn>
-                  </p:par>
-                </p:childTnLst>
-              </p:cTn>
-              <p:prevCondLst>
-                <p:cond evt="onPrev" delay="0">
-                  <p:tgtEl>
-                    <p:sldTgt/>
-                  </p:tgtEl>
-                </p:cond>
-              </p:prevCondLst>
-              <p:nextCondLst>
-                <p:cond evt="onNext" delay="0">
-                  <p:tgtEl>
-                    <p:sldTgt/>
-                  </p:tgtEl>
-                </p:cond>
-              </p:nextCondLst>
-            </p:seq>
-          </p:childTnLst>
-        </p:cTn>
+        <p:cTn id="1" dur="indefinite" restart="never" nodeType="tmRoot"/>
       </p:par>
     </p:tnLst>
   </p:timing>
